--- a/Project Presentation - DL.pptx
+++ b/Project Presentation - DL.pptx
@@ -2781,7 +2781,7 @@
   <dgm:whole/>
   <dgm:extLst>
     <a:ext uri="http://schemas.microsoft.com/office/drawing/2008/diagram">
-      <dsp:dataModelExt xmlns:dsp="http://schemas.microsoft.com/office/drawing/2008/diagram" relId="rId7" minVer="http://schemas.openxmlformats.org/drawingml/2006/diagram"/>
+      <dsp:dataModelExt xmlns:dsp="http://schemas.microsoft.com/office/drawing/2008/diagram" relId="rId8" minVer="http://schemas.openxmlformats.org/drawingml/2006/diagram"/>
     </a:ext>
   </dgm:extLst>
 </dgm:dataModel>
@@ -3291,7 +3291,7 @@
   <dgm:whole/>
   <dgm:extLst>
     <a:ext uri="http://schemas.microsoft.com/office/drawing/2008/diagram">
-      <dsp:dataModelExt xmlns:dsp="http://schemas.microsoft.com/office/drawing/2008/diagram" relId="rId7" minVer="http://schemas.openxmlformats.org/drawingml/2006/diagram"/>
+      <dsp:dataModelExt xmlns:dsp="http://schemas.microsoft.com/office/drawing/2008/diagram" relId="rId8" minVer="http://schemas.openxmlformats.org/drawingml/2006/diagram"/>
     </a:ext>
   </dgm:extLst>
 </dgm:dataModel>
@@ -9062,7 +9062,10 @@
           <a:bodyPr/>
           <a:lstStyle/>
           <a:p>
-            <a:endParaRPr lang="en-US" dirty="0"/>
+            <a:r>
+              <a:rPr lang="en-US" dirty="0"/>
+              <a:t>Problem statement: change the b/w to color images, restore old images, recreate the images .</a:t>
+            </a:r>
           </a:p>
         </p:txBody>
       </p:sp>
@@ -9083,7 +9086,7 @@
           <a:p>
             <a:fld id="{0038E245-EA0A-0144-85B2-EAE692F95517}" type="slidenum">
               <a:rPr lang="en-US" smtClean="0"/>
-              <a:t>3</a:t>
+              <a:t>2</a:t>
             </a:fld>
             <a:endParaRPr lang="en-US"/>
           </a:p>
@@ -9092,7 +9095,7 @@
     </p:spTree>
     <p:extLst>
       <p:ext uri="{BB962C8B-B14F-4D97-AF65-F5344CB8AC3E}">
-        <p14:creationId xmlns:p14="http://schemas.microsoft.com/office/powerpoint/2010/main" val="1288192784"/>
+        <p14:creationId xmlns:p14="http://schemas.microsoft.com/office/powerpoint/2010/main" val="2847596741"/>
       </p:ext>
     </p:extLst>
   </p:cSld>
@@ -9148,7 +9151,181 @@
           <a:p>
             <a:r>
               <a:rPr lang="en-US" dirty="0"/>
-              <a:t>Add images and the result with epoch value </a:t>
+              <a:t>Data set – grey to color , input and output , total 3000 images, 2500 train , 500 test , </a:t>
+            </a:r>
+          </a:p>
+        </p:txBody>
+      </p:sp>
+      <p:sp>
+        <p:nvSpPr>
+          <p:cNvPr id="4" name="Slide Number Placeholder 3"/>
+          <p:cNvSpPr>
+            <a:spLocks noGrp="1"/>
+          </p:cNvSpPr>
+          <p:nvPr>
+            <p:ph type="sldNum" sz="quarter" idx="5"/>
+          </p:nvPr>
+        </p:nvSpPr>
+        <p:spPr/>
+        <p:txBody>
+          <a:bodyPr/>
+          <a:lstStyle/>
+          <a:p>
+            <a:fld id="{0038E245-EA0A-0144-85B2-EAE692F95517}" type="slidenum">
+              <a:rPr lang="en-US" smtClean="0"/>
+              <a:t>3</a:t>
+            </a:fld>
+            <a:endParaRPr lang="en-US"/>
+          </a:p>
+        </p:txBody>
+      </p:sp>
+    </p:spTree>
+    <p:extLst>
+      <p:ext uri="{BB962C8B-B14F-4D97-AF65-F5344CB8AC3E}">
+        <p14:creationId xmlns:p14="http://schemas.microsoft.com/office/powerpoint/2010/main" val="1288192784"/>
+      </p:ext>
+    </p:extLst>
+  </p:cSld>
+  <p:clrMapOvr>
+    <a:masterClrMapping/>
+  </p:clrMapOvr>
+</p:notes>
+</file>
+
+<file path=ppt/notesSlides/notesSlide3.xml><?xml version="1.0" encoding="utf-8"?>
+<p:notes xmlns:a="http://schemas.openxmlformats.org/drawingml/2006/main" xmlns:r="http://schemas.openxmlformats.org/officeDocument/2006/relationships" xmlns:p="http://schemas.openxmlformats.org/presentationml/2006/main">
+  <p:cSld>
+    <p:spTree>
+      <p:nvGrpSpPr>
+        <p:cNvPr id="1" name=""/>
+        <p:cNvGrpSpPr/>
+        <p:nvPr/>
+      </p:nvGrpSpPr>
+      <p:grpSpPr>
+        <a:xfrm>
+          <a:off x="0" y="0"/>
+          <a:ext cx="0" cy="0"/>
+          <a:chOff x="0" y="0"/>
+          <a:chExt cx="0" cy="0"/>
+        </a:xfrm>
+      </p:grpSpPr>
+      <p:sp>
+        <p:nvSpPr>
+          <p:cNvPr id="2" name="Slide Image Placeholder 1"/>
+          <p:cNvSpPr>
+            <a:spLocks noGrp="1" noRot="1" noChangeAspect="1"/>
+          </p:cNvSpPr>
+          <p:nvPr>
+            <p:ph type="sldImg"/>
+          </p:nvPr>
+        </p:nvSpPr>
+        <p:spPr/>
+      </p:sp>
+      <p:sp>
+        <p:nvSpPr>
+          <p:cNvPr id="3" name="Notes Placeholder 2"/>
+          <p:cNvSpPr>
+            <a:spLocks noGrp="1"/>
+          </p:cNvSpPr>
+          <p:nvPr>
+            <p:ph type="body" idx="1"/>
+          </p:nvPr>
+        </p:nvSpPr>
+        <p:spPr/>
+        <p:txBody>
+          <a:bodyPr/>
+          <a:lstStyle/>
+          <a:p>
+            <a:r>
+              <a:rPr lang="en-US" dirty="0"/>
+              <a:t>CNN , GAN – UNET  </a:t>
+            </a:r>
+          </a:p>
+        </p:txBody>
+      </p:sp>
+      <p:sp>
+        <p:nvSpPr>
+          <p:cNvPr id="4" name="Slide Number Placeholder 3"/>
+          <p:cNvSpPr>
+            <a:spLocks noGrp="1"/>
+          </p:cNvSpPr>
+          <p:nvPr>
+            <p:ph type="sldNum" sz="quarter" idx="5"/>
+          </p:nvPr>
+        </p:nvSpPr>
+        <p:spPr/>
+        <p:txBody>
+          <a:bodyPr/>
+          <a:lstStyle/>
+          <a:p>
+            <a:fld id="{0038E245-EA0A-0144-85B2-EAE692F95517}" type="slidenum">
+              <a:rPr lang="en-US" smtClean="0"/>
+              <a:t>4</a:t>
+            </a:fld>
+            <a:endParaRPr lang="en-US"/>
+          </a:p>
+        </p:txBody>
+      </p:sp>
+    </p:spTree>
+    <p:extLst>
+      <p:ext uri="{BB962C8B-B14F-4D97-AF65-F5344CB8AC3E}">
+        <p14:creationId xmlns:p14="http://schemas.microsoft.com/office/powerpoint/2010/main" val="2646607180"/>
+      </p:ext>
+    </p:extLst>
+  </p:cSld>
+  <p:clrMapOvr>
+    <a:masterClrMapping/>
+  </p:clrMapOvr>
+</p:notes>
+</file>
+
+<file path=ppt/notesSlides/notesSlide4.xml><?xml version="1.0" encoding="utf-8"?>
+<p:notes xmlns:a="http://schemas.openxmlformats.org/drawingml/2006/main" xmlns:r="http://schemas.openxmlformats.org/officeDocument/2006/relationships" xmlns:p="http://schemas.openxmlformats.org/presentationml/2006/main">
+  <p:cSld>
+    <p:spTree>
+      <p:nvGrpSpPr>
+        <p:cNvPr id="1" name=""/>
+        <p:cNvGrpSpPr/>
+        <p:nvPr/>
+      </p:nvGrpSpPr>
+      <p:grpSpPr>
+        <a:xfrm>
+          <a:off x="0" y="0"/>
+          <a:ext cx="0" cy="0"/>
+          <a:chOff x="0" y="0"/>
+          <a:chExt cx="0" cy="0"/>
+        </a:xfrm>
+      </p:grpSpPr>
+      <p:sp>
+        <p:nvSpPr>
+          <p:cNvPr id="2" name="Slide Image Placeholder 1"/>
+          <p:cNvSpPr>
+            <a:spLocks noGrp="1" noRot="1" noChangeAspect="1"/>
+          </p:cNvSpPr>
+          <p:nvPr>
+            <p:ph type="sldImg"/>
+          </p:nvPr>
+        </p:nvSpPr>
+        <p:spPr/>
+      </p:sp>
+      <p:sp>
+        <p:nvSpPr>
+          <p:cNvPr id="3" name="Notes Placeholder 2"/>
+          <p:cNvSpPr>
+            <a:spLocks noGrp="1"/>
+          </p:cNvSpPr>
+          <p:nvPr>
+            <p:ph type="body" idx="1"/>
+          </p:nvPr>
+        </p:nvSpPr>
+        <p:spPr/>
+        <p:txBody>
+          <a:bodyPr/>
+          <a:lstStyle/>
+          <a:p>
+            <a:r>
+              <a:rPr lang="en-US" dirty="0"/>
+              <a:t>Hyper parameters and epoch values. </a:t>
             </a:r>
           </a:p>
         </p:txBody>
@@ -9189,7 +9366,7 @@
 </p:notes>
 </file>
 
-<file path=ppt/notesSlides/notesSlide3.xml><?xml version="1.0" encoding="utf-8"?>
+<file path=ppt/notesSlides/notesSlide5.xml><?xml version="1.0" encoding="utf-8"?>
 <p:notes xmlns:a="http://schemas.openxmlformats.org/drawingml/2006/main" xmlns:r="http://schemas.openxmlformats.org/officeDocument/2006/relationships" xmlns:p="http://schemas.openxmlformats.org/presentationml/2006/main">
   <p:cSld>
     <p:spTree>
@@ -13341,7 +13518,7 @@
           <p:nvPr/>
         </p:nvPicPr>
         <p:blipFill rotWithShape="1">
-          <a:blip r:embed="rId2">
+          <a:blip r:embed="rId3">
             <a:extLst>
               <a:ext uri="{28A0092B-C50C-407E-A947-70E740481C1C}">
                 <a14:useLocalDpi xmlns:a14="http://schemas.microsoft.com/office/drawing/2010/main" val="0"/>
@@ -13450,7 +13627,7 @@
         </p:xfrm>
         <a:graphic>
           <a:graphicData uri="http://schemas.openxmlformats.org/drawingml/2006/diagram">
-            <dgm:relIds xmlns:dgm="http://schemas.openxmlformats.org/drawingml/2006/diagram" xmlns:r="http://schemas.openxmlformats.org/officeDocument/2006/relationships" r:dm="rId3" r:lo="rId4" r:qs="rId5" r:cs="rId6"/>
+            <dgm:relIds xmlns:dgm="http://schemas.openxmlformats.org/drawingml/2006/diagram" xmlns:r="http://schemas.openxmlformats.org/officeDocument/2006/relationships" r:dm="rId4" r:lo="rId5" r:qs="rId6" r:cs="rId7"/>
           </a:graphicData>
         </a:graphic>
       </p:graphicFrame>
@@ -14243,7 +14420,7 @@
           <p:nvPr/>
         </p:nvPicPr>
         <p:blipFill rotWithShape="1">
-          <a:blip r:embed="rId2">
+          <a:blip r:embed="rId3">
             <a:extLst>
               <a:ext uri="{28A0092B-C50C-407E-A947-70E740481C1C}">
                 <a14:useLocalDpi xmlns:a14="http://schemas.microsoft.com/office/drawing/2010/main" val="0"/>
@@ -14404,7 +14581,7 @@
         </p:xfrm>
         <a:graphic>
           <a:graphicData uri="http://schemas.openxmlformats.org/drawingml/2006/diagram">
-            <dgm:relIds xmlns:dgm="http://schemas.openxmlformats.org/drawingml/2006/diagram" xmlns:r="http://schemas.openxmlformats.org/officeDocument/2006/relationships" r:dm="rId3" r:lo="rId4" r:qs="rId5" r:cs="rId6"/>
+            <dgm:relIds xmlns:dgm="http://schemas.openxmlformats.org/drawingml/2006/diagram" xmlns:r="http://schemas.openxmlformats.org/officeDocument/2006/relationships" r:dm="rId4" r:lo="rId5" r:qs="rId6" r:cs="rId7"/>
           </a:graphicData>
         </a:graphic>
       </p:graphicFrame>
